--- a/Presentations/NOBUGS_2016/poster_drafts/nobugs2016_isis_sans_data_reduction_2.pptx
+++ b/Presentations/NOBUGS_2016/poster_drafts/nobugs2016_isis_sans_data_reduction_2.pptx
@@ -223,7 +223,7 @@
             <a:fld id="{376B4F07-E738-4DFD-883D-BE3839CD703B}" type="datetimeFigureOut">
               <a:rPr lang="en-GB" smtClean="0"/>
               <a:pPr/>
-              <a:t>11/10/2016</a:t>
+              <a:t>13/10/2016</a:t>
             </a:fld>
             <a:endParaRPr lang="en-GB"/>
           </a:p>
@@ -3026,14 +3026,14 @@
           <p:nvPr>
             <p:extLst>
               <p:ext uri="{D42A27DB-BD31-4B8C-83A1-F6EECF244321}">
-                <p14:modId xmlns:p14="http://schemas.microsoft.com/office/powerpoint/2010/main" val="594832424"/>
+                <p14:modId xmlns:p14="http://schemas.microsoft.com/office/powerpoint/2010/main" val="2910777834"/>
               </p:ext>
             </p:extLst>
           </p:nvPr>
         </p:nvGraphicFramePr>
         <p:xfrm>
           <a:off x="1005782" y="8610600"/>
-          <a:ext cx="28515169" cy="38314884"/>
+          <a:ext cx="28515169" cy="37674804"/>
         </p:xfrm>
         <a:graphic>
           <a:graphicData uri="http://schemas.openxmlformats.org/drawingml/2006/table">
@@ -3785,65 +3785,7 @@
                         <a:tabLst/>
                         <a:defRPr/>
                       </a:pPr>
-                      <a:endParaRPr kumimoji="0" lang="en-US" sz="2400" b="0" i="0" u="none" strike="noStrike" kern="0" cap="none" normalizeH="0" baseline="0" dirty="0" smtClean="0">
-                        <a:ln>
-                          <a:noFill/>
-                        </a:ln>
-                        <a:solidFill>
-                          <a:srgbClr val="002D55"/>
-                        </a:solidFill>
-                        <a:effectLst/>
-                        <a:latin typeface="Corisande"/>
-                      </a:endParaRPr>
-                    </a:p>
-                    <a:p>
-                      <a:pPr marL="0" marR="0" lvl="0" indent="0" algn="l" defTabSz="914400" rtl="0" eaLnBrk="1" fontAlgn="auto" latinLnBrk="0" hangingPunct="1">
-                        <a:lnSpc>
-                          <a:spcPct val="100000"/>
-                        </a:lnSpc>
-                        <a:spcBef>
-                          <a:spcPts val="0"/>
-                        </a:spcBef>
-                        <a:spcAft>
-                          <a:spcPts val="0"/>
-                        </a:spcAft>
-                        <a:buClrTx/>
-                        <a:buSzTx/>
-                        <a:buFontTx/>
-                        <a:buNone/>
-                        <a:tabLst/>
-                        <a:defRPr/>
-                      </a:pPr>
-                      <a:endParaRPr kumimoji="0" lang="en-US" sz="2400" b="0" i="0" u="none" strike="noStrike" kern="0" cap="none" normalizeH="0" baseline="0" dirty="0" smtClean="0">
-                        <a:ln>
-                          <a:noFill/>
-                        </a:ln>
-                        <a:solidFill>
-                          <a:srgbClr val="002D55"/>
-                        </a:solidFill>
-                        <a:effectLst/>
-                        <a:latin typeface="Corisande"/>
-                      </a:endParaRPr>
-                    </a:p>
-                    <a:p>
-                      <a:pPr marL="0" marR="0" lvl="0" indent="0" algn="l" defTabSz="914400" rtl="0" eaLnBrk="1" fontAlgn="auto" latinLnBrk="0" hangingPunct="1">
-                        <a:lnSpc>
-                          <a:spcPct val="100000"/>
-                        </a:lnSpc>
-                        <a:spcBef>
-                          <a:spcPts val="0"/>
-                        </a:spcBef>
-                        <a:spcAft>
-                          <a:spcPts val="0"/>
-                        </a:spcAft>
-                        <a:buClrTx/>
-                        <a:buSzTx/>
-                        <a:buFontTx/>
-                        <a:buNone/>
-                        <a:tabLst/>
-                        <a:defRPr/>
-                      </a:pPr>
-                      <a:endParaRPr kumimoji="0" lang="en-US" sz="2400" b="0" i="0" u="none" strike="noStrike" kern="0" cap="none" normalizeH="0" baseline="0" dirty="0" smtClean="0">
+                      <a:endParaRPr kumimoji="0" lang="en-US" sz="3000" b="0" i="0" u="none" strike="noStrike" kern="0" cap="none" normalizeH="0" baseline="0" dirty="0" smtClean="0">
                         <a:ln>
                           <a:noFill/>
                         </a:ln>
@@ -5233,35 +5175,6 @@
                         <a:buFont typeface="Arial" pitchFamily="34" charset="0"/>
                         <a:buNone/>
                         <a:tabLst/>
-                      </a:pPr>
-                      <a:endParaRPr kumimoji="0" lang="en-US" sz="2400" b="0" i="0" u="none" strike="noStrike" kern="0" cap="none" normalizeH="0" baseline="0" dirty="0" smtClean="0">
-                        <a:ln>
-                          <a:noFill/>
-                        </a:ln>
-                        <a:solidFill>
-                          <a:schemeClr val="tx1"/>
-                        </a:solidFill>
-                        <a:effectLst/>
-                        <a:latin typeface="Arial" pitchFamily="34" charset="0"/>
-                        <a:cs typeface="Arial" pitchFamily="34" charset="0"/>
-                      </a:endParaRPr>
-                    </a:p>
-                    <a:p>
-                      <a:pPr marL="0" marR="0" lvl="0" indent="0" algn="l" defTabSz="4173538" rtl="0" eaLnBrk="1" fontAlgn="base" latinLnBrk="0" hangingPunct="1">
-                        <a:lnSpc>
-                          <a:spcPct val="100000"/>
-                        </a:lnSpc>
-                        <a:spcBef>
-                          <a:spcPct val="20000"/>
-                        </a:spcBef>
-                        <a:spcAft>
-                          <a:spcPct val="0"/>
-                        </a:spcAft>
-                        <a:buClrTx/>
-                        <a:buSzTx/>
-                        <a:buFont typeface="Arial" pitchFamily="34" charset="0"/>
-                        <a:buNone/>
-                        <a:tabLst/>
                         <a:defRPr/>
                       </a:pPr>
                       <a:r>
@@ -5382,9 +5295,8 @@
                         <a:buFont typeface="Arial" pitchFamily="34" charset="0"/>
                         <a:buNone/>
                         <a:tabLst/>
-                        <a:defRPr/>
                       </a:pPr>
-                      <a:endParaRPr kumimoji="0" lang="en-US" sz="3500" b="0" i="0" u="none" strike="noStrike" kern="0" cap="none" normalizeH="0" baseline="0" dirty="0" smtClean="0">
+                      <a:endParaRPr kumimoji="0" lang="en-US" sz="2400" b="0" i="0" u="none" strike="noStrike" kern="0" cap="none" normalizeH="0" baseline="0" dirty="0" smtClean="0">
                         <a:ln>
                           <a:noFill/>
                         </a:ln>
@@ -5615,35 +5527,6 @@
                         <a:buFont typeface="Arial" pitchFamily="34" charset="0"/>
                         <a:buNone/>
                         <a:tabLst/>
-                      </a:pPr>
-                      <a:endParaRPr kumimoji="0" lang="en-US" sz="2400" b="0" i="0" u="none" strike="noStrike" kern="0" cap="none" normalizeH="0" baseline="0" dirty="0" smtClean="0">
-                        <a:ln>
-                          <a:noFill/>
-                        </a:ln>
-                        <a:solidFill>
-                          <a:schemeClr val="tx1"/>
-                        </a:solidFill>
-                        <a:effectLst/>
-                        <a:latin typeface="Arial" pitchFamily="34" charset="0"/>
-                        <a:cs typeface="Arial" pitchFamily="34" charset="0"/>
-                      </a:endParaRPr>
-                    </a:p>
-                    <a:p>
-                      <a:pPr marL="0" marR="0" lvl="0" indent="0" algn="l" defTabSz="4173538" rtl="0" eaLnBrk="1" fontAlgn="base" latinLnBrk="0" hangingPunct="1">
-                        <a:lnSpc>
-                          <a:spcPct val="100000"/>
-                        </a:lnSpc>
-                        <a:spcBef>
-                          <a:spcPct val="20000"/>
-                        </a:spcBef>
-                        <a:spcAft>
-                          <a:spcPct val="0"/>
-                        </a:spcAft>
-                        <a:buClrTx/>
-                        <a:buSzTx/>
-                        <a:buFont typeface="Arial" pitchFamily="34" charset="0"/>
-                        <a:buNone/>
-                        <a:tabLst/>
                         <a:defRPr/>
                       </a:pPr>
                       <a:endParaRPr lang="en-GB" sz="3500" kern="1200" baseline="0" dirty="0" smtClean="0">
@@ -5865,6 +5748,35 @@
                         <a:defRPr/>
                       </a:pPr>
                       <a:endParaRPr kumimoji="0" lang="en-US" sz="2400" b="0" i="0" u="none" strike="noStrike" kern="0" cap="none" normalizeH="0" baseline="0" dirty="0" smtClean="0">
+                        <a:ln>
+                          <a:noFill/>
+                        </a:ln>
+                        <a:solidFill>
+                          <a:srgbClr val="002D55"/>
+                        </a:solidFill>
+                        <a:effectLst/>
+                        <a:latin typeface="Corisande"/>
+                      </a:endParaRPr>
+                    </a:p>
+                    <a:p>
+                      <a:pPr marL="0" marR="0" lvl="0" indent="0" algn="l" defTabSz="4173538" rtl="0" eaLnBrk="1" fontAlgn="base" latinLnBrk="0" hangingPunct="1">
+                        <a:lnSpc>
+                          <a:spcPct val="100000"/>
+                        </a:lnSpc>
+                        <a:spcBef>
+                          <a:spcPct val="20000"/>
+                        </a:spcBef>
+                        <a:spcAft>
+                          <a:spcPct val="0"/>
+                        </a:spcAft>
+                        <a:buClrTx/>
+                        <a:buSzTx/>
+                        <a:buFont typeface="Arial" pitchFamily="34" charset="0"/>
+                        <a:buNone/>
+                        <a:tabLst/>
+                        <a:defRPr/>
+                      </a:pPr>
+                      <a:endParaRPr kumimoji="0" lang="en-US" sz="1200" b="0" i="0" u="none" strike="noStrike" kern="0" cap="none" normalizeH="0" baseline="0" dirty="0" smtClean="0">
                         <a:ln>
                           <a:noFill/>
                         </a:ln>
@@ -5906,16 +5818,6 @@
                         </a:rPr>
                         <a:t>Progress</a:t>
                       </a:r>
-                      <a:endParaRPr kumimoji="0" lang="en-US" sz="5000" b="0" i="0" u="none" strike="noStrike" kern="0" cap="none" normalizeH="0" baseline="0" dirty="0" smtClean="0">
-                        <a:ln>
-                          <a:noFill/>
-                        </a:ln>
-                        <a:solidFill>
-                          <a:srgbClr val="002D55"/>
-                        </a:solidFill>
-                        <a:effectLst/>
-                        <a:latin typeface="Corisande"/>
-                      </a:endParaRPr>
                     </a:p>
                     <a:p>
                       <a:pPr marL="0" marR="0" lvl="0" indent="0" algn="l" defTabSz="4173538" rtl="0" eaLnBrk="1" fontAlgn="base" latinLnBrk="0" hangingPunct="1">
@@ -5989,10 +5891,10 @@
                         <a:buClrTx/>
                         <a:buSzTx/>
                         <a:buFont typeface="Arial" pitchFamily="34" charset="0"/>
-                        <a:buChar char="•"/>
+                        <a:buNone/>
                         <a:tabLst/>
                       </a:pPr>
-                      <a:endParaRPr kumimoji="0" lang="en-US" sz="2400" b="0" i="0" u="none" strike="noStrike" kern="0" cap="none" normalizeH="0" baseline="0" dirty="0" smtClean="0">
+                      <a:endParaRPr kumimoji="0" lang="en-US" sz="1600" b="0" i="0" u="none" strike="noStrike" kern="0" cap="none" normalizeH="0" baseline="0" dirty="0" smtClean="0">
                         <a:ln>
                           <a:noFill/>
                         </a:ln>
@@ -6021,64 +5923,19 @@
                         <a:buNone/>
                         <a:tabLst/>
                       </a:pPr>
-                      <a:endParaRPr kumimoji="0" lang="en-US" sz="2400" b="0" i="0" u="none" strike="noStrike" kern="0" cap="none" normalizeH="0" baseline="0" dirty="0" smtClean="0">
-                        <a:ln>
-                          <a:noFill/>
-                        </a:ln>
-                        <a:solidFill>
-                          <a:schemeClr val="tx1"/>
-                        </a:solidFill>
-                        <a:effectLst/>
-                        <a:latin typeface="+mn-lt"/>
-                        <a:cs typeface="Arial" pitchFamily="34" charset="0"/>
-                      </a:endParaRPr>
-                    </a:p>
-                    <a:p>
-                      <a:pPr marL="0" marR="0" lvl="0" indent="0" algn="l" defTabSz="4173538" rtl="0" eaLnBrk="1" fontAlgn="base" latinLnBrk="0" hangingPunct="1">
-                        <a:lnSpc>
-                          <a:spcPct val="100000"/>
-                        </a:lnSpc>
-                        <a:spcBef>
-                          <a:spcPct val="20000"/>
-                        </a:spcBef>
-                        <a:spcAft>
-                          <a:spcPct val="0"/>
-                        </a:spcAft>
-                        <a:buClrTx/>
-                        <a:buSzTx/>
-                        <a:buFont typeface="Arial" pitchFamily="34" charset="0"/>
-                        <a:buNone/>
-                        <a:tabLst/>
-                      </a:pPr>
-                      <a:endParaRPr kumimoji="0" lang="en-US" sz="2400" b="0" i="0" u="none" strike="noStrike" kern="0" cap="none" normalizeH="0" baseline="0" dirty="0" smtClean="0">
-                        <a:ln>
-                          <a:noFill/>
-                        </a:ln>
-                        <a:solidFill>
-                          <a:schemeClr val="tx1"/>
-                        </a:solidFill>
-                        <a:effectLst/>
-                        <a:latin typeface="+mn-lt"/>
-                        <a:cs typeface="Arial" pitchFamily="34" charset="0"/>
-                      </a:endParaRPr>
-                    </a:p>
-                    <a:p>
-                      <a:pPr marL="0" marR="0" lvl="0" indent="0" algn="l" defTabSz="4173538" rtl="0" eaLnBrk="1" fontAlgn="base" latinLnBrk="0" hangingPunct="1">
-                        <a:lnSpc>
-                          <a:spcPct val="100000"/>
-                        </a:lnSpc>
-                        <a:spcBef>
-                          <a:spcPct val="20000"/>
-                        </a:spcBef>
-                        <a:spcAft>
-                          <a:spcPct val="0"/>
-                        </a:spcAft>
-                        <a:buClrTx/>
-                        <a:buSzTx/>
-                        <a:buFont typeface="Arial" pitchFamily="34" charset="0"/>
-                        <a:buNone/>
-                        <a:tabLst/>
-                      </a:pPr>
+                      <a:r>
+                        <a:rPr kumimoji="0" lang="en-US" sz="3200" b="0" i="0" u="none" strike="noStrike" kern="0" cap="none" normalizeH="0" baseline="0" dirty="0" smtClean="0">
+                          <a:ln>
+                            <a:noFill/>
+                          </a:ln>
+                          <a:solidFill>
+                            <a:srgbClr val="002D55"/>
+                          </a:solidFill>
+                          <a:effectLst/>
+                          <a:latin typeface="Corisande"/>
+                        </a:rPr>
+                        <a:t>Performance</a:t>
+                      </a:r>
                       <a:endParaRPr kumimoji="0" lang="en-US" sz="2400" b="0" i="0" u="none" strike="noStrike" kern="0" cap="none" normalizeH="0" baseline="0" dirty="0" smtClean="0">
                         <a:ln>
                           <a:noFill/>
@@ -6675,21 +6532,7 @@
                   <a:latin typeface="Arial" panose="020B0604020202020204" pitchFamily="34" charset="0"/>
                   <a:cs typeface="Arial" panose="020B0604020202020204" pitchFamily="34" charset="0"/>
                 </a:rPr>
-                <a:t>The current user interface allows </a:t>
-              </a:r>
-              <a:r>
-                <a:rPr lang="en-US" sz="2000" i="1" kern="0" dirty="0" smtClean="0">
-                  <a:latin typeface="Arial" panose="020B0604020202020204" pitchFamily="34" charset="0"/>
-                  <a:cs typeface="Arial" panose="020B0604020202020204" pitchFamily="34" charset="0"/>
-                </a:rPr>
-                <a:t>for single </a:t>
-              </a:r>
-              <a:r>
-                <a:rPr lang="en-US" sz="2000" i="1" kern="0" dirty="0" smtClean="0">
-                  <a:latin typeface="Arial" panose="020B0604020202020204" pitchFamily="34" charset="0"/>
-                  <a:cs typeface="Arial" panose="020B0604020202020204" pitchFamily="34" charset="0"/>
-                </a:rPr>
-                <a:t>mode and batch reductions (above) and offers access to a range of custom tooling such as the Beam Centre Finder (right) </a:t>
+                <a:t>The current user interface allows for single mode and batch reductions (above) and offers access to a range of custom tooling such as the Beam Centre Finder (right) </a:t>
               </a:r>
               <a:endParaRPr lang="en-US" sz="2000" i="1" kern="0" dirty="0">
                 <a:latin typeface="Arial" panose="020B0604020202020204" pitchFamily="34" charset="0"/>
@@ -6853,7 +6696,7 @@
         </p:nvGrpSpPr>
         <p:grpSpPr>
           <a:xfrm>
-            <a:off x="1342683" y="24117894"/>
+            <a:off x="1342683" y="23562121"/>
             <a:ext cx="12241081" cy="4804687"/>
             <a:chOff x="1312517" y="28054017"/>
             <a:chExt cx="12241081" cy="4804687"/>
@@ -7196,8 +7039,8 @@
         </p:nvSpPr>
         <p:spPr>
           <a:xfrm>
-            <a:off x="1143000" y="31627017"/>
-            <a:ext cx="12640448" cy="1200329"/>
+            <a:off x="1143000" y="32649645"/>
+            <a:ext cx="12640448" cy="1569660"/>
           </a:xfrm>
           <a:prstGeom prst="rect">
             <a:avLst/>
@@ -7216,7 +7059,8 @@
             </a:pPr>
             <a:r>
               <a:rPr lang="en-GB" dirty="0" smtClean="0">
-                <a:latin typeface="+mj-lt"/>
+                <a:latin typeface="Arial" panose="020B0604020202020204" pitchFamily="34" charset="0"/>
+                <a:cs typeface="Arial" panose="020B0604020202020204" pitchFamily="34" charset="0"/>
               </a:rPr>
               <a:t>self-validating</a:t>
             </a:r>
@@ -7228,13 +7072,15 @@
             </a:pPr>
             <a:r>
               <a:rPr lang="en-GB" dirty="0">
-                <a:latin typeface="+mj-lt"/>
+                <a:latin typeface="Arial" panose="020B0604020202020204" pitchFamily="34" charset="0"/>
+                <a:cs typeface="Arial" panose="020B0604020202020204" pitchFamily="34" charset="0"/>
               </a:rPr>
               <a:t>i</a:t>
             </a:r>
             <a:r>
               <a:rPr lang="en-GB" dirty="0" smtClean="0">
-                <a:latin typeface="+mj-lt"/>
+                <a:latin typeface="Arial" panose="020B0604020202020204" pitchFamily="34" charset="0"/>
+                <a:cs typeface="Arial" panose="020B0604020202020204" pitchFamily="34" charset="0"/>
               </a:rPr>
               <a:t>mmutable</a:t>
             </a:r>
@@ -7245,10 +7091,18 @@
               <a:buChar char="•"/>
             </a:pPr>
             <a:r>
+              <a:rPr lang="en-GB" dirty="0">
+                <a:latin typeface="Arial" panose="020B0604020202020204" pitchFamily="34" charset="0"/>
+                <a:cs typeface="Arial" panose="020B0604020202020204" pitchFamily="34" charset="0"/>
+              </a:rPr>
+              <a:t>t</a:t>
+            </a:r>
+            <a:r>
               <a:rPr lang="en-GB" dirty="0" smtClean="0">
-                <a:latin typeface="+mj-lt"/>
-              </a:rPr>
-              <a:t>typed</a:t>
+                <a:latin typeface="Arial" panose="020B0604020202020204" pitchFamily="34" charset="0"/>
+                <a:cs typeface="Arial" panose="020B0604020202020204" pitchFamily="34" charset="0"/>
+              </a:rPr>
+              <a:t>yped</a:t>
             </a:r>
           </a:p>
           <a:p>
@@ -7258,7 +7112,8 @@
             </a:pPr>
             <a:r>
               <a:rPr lang="en-GB" dirty="0" smtClean="0">
-                <a:latin typeface="+mj-lt"/>
+                <a:latin typeface="Arial" panose="020B0604020202020204" pitchFamily="34" charset="0"/>
+                <a:cs typeface="Arial" panose="020B0604020202020204" pitchFamily="34" charset="0"/>
               </a:rPr>
               <a:t>serializable</a:t>
             </a:r>
@@ -7270,7 +7125,8 @@
             </a:pPr>
             <a:r>
               <a:rPr lang="en-GB" dirty="0" smtClean="0">
-                <a:latin typeface="+mj-lt"/>
+                <a:latin typeface="Arial" panose="020B0604020202020204" pitchFamily="34" charset="0"/>
+                <a:cs typeface="Arial" panose="020B0604020202020204" pitchFamily="34" charset="0"/>
               </a:rPr>
               <a:t>easy to reason about</a:t>
             </a:r>
@@ -7281,16 +7137,11 @@
               <a:buChar char="•"/>
             </a:pPr>
             <a:r>
-              <a:rPr lang="en-GB" dirty="0">
-                <a:latin typeface="+mj-lt"/>
-              </a:rPr>
-              <a:t>m</a:t>
-            </a:r>
-            <a:r>
               <a:rPr lang="en-GB" dirty="0" smtClean="0">
-                <a:latin typeface="+mj-lt"/>
-              </a:rPr>
-              <a:t>odular (sub-states for units of work)</a:t>
+                <a:latin typeface="Arial" panose="020B0604020202020204" pitchFamily="34" charset="0"/>
+                <a:cs typeface="Arial" panose="020B0604020202020204" pitchFamily="34" charset="0"/>
+              </a:rPr>
+              <a:t>modular (sub-states for units of work)</a:t>
             </a:r>
           </a:p>
         </p:txBody>
@@ -7391,14 +7242,35 @@
                 <a:latin typeface="Arial" pitchFamily="34" charset="0"/>
                 <a:cs typeface="Arial" pitchFamily="34" charset="0"/>
               </a:rPr>
-              <a:t>for simple  incorporation of </a:t>
+              <a:t>for </a:t>
+            </a:r>
+            <a:r>
+              <a:rPr lang="en-US" kern="0" dirty="0" smtClean="0">
+                <a:latin typeface="Arial" pitchFamily="34" charset="0"/>
+                <a:cs typeface="Arial" pitchFamily="34" charset="0"/>
+              </a:rPr>
+              <a:t>the simple  integration of </a:t>
             </a:r>
             <a:r>
               <a:rPr lang="en-US" kern="0" dirty="0">
                 <a:latin typeface="Arial" pitchFamily="34" charset="0"/>
                 <a:cs typeface="Arial" pitchFamily="34" charset="0"/>
               </a:rPr>
-              <a:t>new configuration sources of other facilities (e.g. alternative </a:t>
+              <a:t>new configuration sources </a:t>
+            </a:r>
+            <a:r>
+              <a:rPr lang="en-US" kern="0" dirty="0" smtClean="0">
+                <a:latin typeface="Arial" pitchFamily="34" charset="0"/>
+                <a:cs typeface="Arial" pitchFamily="34" charset="0"/>
+              </a:rPr>
+              <a:t>of other </a:t>
+            </a:r>
+            <a:r>
+              <a:rPr lang="en-US" kern="0" dirty="0">
+                <a:latin typeface="Arial" pitchFamily="34" charset="0"/>
+                <a:cs typeface="Arial" pitchFamily="34" charset="0"/>
+              </a:rPr>
+              <a:t>facilities (e.g. alternative </a:t>
             </a:r>
             <a:r>
               <a:rPr lang="en-US" kern="0" dirty="0" smtClean="0">
@@ -7451,7 +7323,7 @@
         </p:blipFill>
         <p:spPr bwMode="auto">
           <a:xfrm>
-            <a:off x="16923791" y="20537785"/>
+            <a:off x="16923791" y="20006368"/>
             <a:ext cx="10580935" cy="9532417"/>
           </a:xfrm>
           <a:prstGeom prst="rect">
@@ -7711,8 +7583,8 @@
         </p:nvSpPr>
         <p:spPr>
           <a:xfrm>
-            <a:off x="15704267" y="30777437"/>
-            <a:ext cx="13528649" cy="1569660"/>
+            <a:off x="15704267" y="29913341"/>
+            <a:ext cx="13528649" cy="1200329"/>
           </a:xfrm>
           <a:prstGeom prst="rect">
             <a:avLst/>
@@ -7752,9 +7624,6 @@
               <a:cs typeface="Arial" pitchFamily="34" charset="0"/>
             </a:endParaRPr>
           </a:p>
-          <a:p>
-            <a:endParaRPr lang="en-GB" dirty="0"/>
-          </a:p>
         </p:txBody>
       </p:sp>
       <p:grpSp>
@@ -7765,10 +7634,10 @@
         </p:nvGrpSpPr>
         <p:grpSpPr>
           <a:xfrm>
-            <a:off x="15704269" y="32491113"/>
-            <a:ext cx="13717786" cy="2881662"/>
+            <a:off x="15704269" y="33110000"/>
+            <a:ext cx="13717786" cy="3197537"/>
             <a:chOff x="15704269" y="32132529"/>
-            <a:chExt cx="13717786" cy="2881662"/>
+            <a:chExt cx="13717786" cy="3197537"/>
           </a:xfrm>
         </p:grpSpPr>
         <p:pic>
@@ -7821,7 +7690,7 @@
           <p:spPr>
             <a:xfrm>
               <a:off x="25239065" y="32159967"/>
-              <a:ext cx="4182990" cy="2246769"/>
+              <a:ext cx="4182990" cy="3170099"/>
             </a:xfrm>
             <a:prstGeom prst="rect">
               <a:avLst/>
@@ -7845,8 +7714,61 @@
                   <a:latin typeface="Arial" panose="020B0604020202020204" pitchFamily="34" charset="0"/>
                   <a:cs typeface="Arial" panose="020B0604020202020204" pitchFamily="34" charset="0"/>
                 </a:rPr>
-                <a:t>Performance comparison of old and new reduction framework. Note that the third row referred to a reduction run with cached data. The test was performed using event-mode data up to and including the masking step.</a:t>
+                <a:t>Performance comparison of the  old and new reduction framework. The test was performed using event-mode data up to and including the masking step. Note that the results are referenced to the legacy framework which is </a:t>
               </a:r>
+              <a:r>
+                <a:rPr lang="en-US" sz="2000" i="1" kern="0" dirty="0" smtClean="0">
+                  <a:latin typeface="Arial" panose="020B0604020202020204" pitchFamily="34" charset="0"/>
+                  <a:cs typeface="Arial" panose="020B0604020202020204" pitchFamily="34" charset="0"/>
+                </a:rPr>
+                <a:t>normalized to 100</a:t>
+              </a:r>
+              <a:r>
+                <a:rPr lang="en-US" sz="2000" i="1" kern="0" dirty="0" smtClean="0">
+                  <a:latin typeface="Arial" panose="020B0604020202020204" pitchFamily="34" charset="0"/>
+                  <a:cs typeface="Arial" panose="020B0604020202020204" pitchFamily="34" charset="0"/>
+                </a:rPr>
+                <a:t>% of the time for </a:t>
+              </a:r>
+              <a:r>
+                <a:rPr lang="en-US" sz="2000" i="1" kern="0" dirty="0" smtClean="0">
+                  <a:latin typeface="Arial" panose="020B0604020202020204" pitchFamily="34" charset="0"/>
+                  <a:cs typeface="Arial" panose="020B0604020202020204" pitchFamily="34" charset="0"/>
+                </a:rPr>
+                <a:t>a particular </a:t>
+              </a:r>
+              <a:r>
+                <a:rPr lang="en-US" sz="2000" i="1" kern="0" dirty="0" smtClean="0">
+                  <a:latin typeface="Arial" panose="020B0604020202020204" pitchFamily="34" charset="0"/>
+                  <a:cs typeface="Arial" panose="020B0604020202020204" pitchFamily="34" charset="0"/>
+                </a:rPr>
+                <a:t>task</a:t>
+              </a:r>
+              <a:r>
+                <a:rPr lang="en-US" sz="2000" i="1" kern="0" dirty="0" smtClean="0">
+                  <a:latin typeface="Arial" panose="020B0604020202020204" pitchFamily="34" charset="0"/>
+                  <a:cs typeface="Arial" panose="020B0604020202020204" pitchFamily="34" charset="0"/>
+                </a:rPr>
+                <a:t>. </a:t>
+              </a:r>
+              <a:r>
+                <a:rPr lang="en-US" sz="2000" i="1" kern="0" dirty="0" smtClean="0">
+                  <a:latin typeface="Arial" panose="020B0604020202020204" pitchFamily="34" charset="0"/>
+                  <a:cs typeface="Arial" panose="020B0604020202020204" pitchFamily="34" charset="0"/>
+                </a:rPr>
+                <a:t>The third row made use of </a:t>
+              </a:r>
+              <a:r>
+                <a:rPr lang="en-US" sz="2000" i="1" kern="0" dirty="0" smtClean="0">
+                  <a:latin typeface="Arial" panose="020B0604020202020204" pitchFamily="34" charset="0"/>
+                  <a:cs typeface="Arial" panose="020B0604020202020204" pitchFamily="34" charset="0"/>
+                </a:rPr>
+                <a:t> the caching feature.</a:t>
+              </a:r>
+              <a:endParaRPr lang="en-US" sz="2000" i="1" kern="0" dirty="0" smtClean="0">
+                <a:latin typeface="Arial" panose="020B0604020202020204" pitchFamily="34" charset="0"/>
+                <a:cs typeface="Arial" panose="020B0604020202020204" pitchFamily="34" charset="0"/>
+              </a:endParaRPr>
             </a:p>
           </p:txBody>
         </p:sp>
@@ -7979,21 +7901,7 @@
                 <a:latin typeface="Arial" panose="020B0604020202020204" pitchFamily="34" charset="0"/>
                 <a:cs typeface="Arial" panose="020B0604020202020204" pitchFamily="34" charset="0"/>
               </a:rPr>
-              <a:t> for </a:t>
-            </a:r>
-            <a:r>
-              <a:rPr lang="en-GB" dirty="0" smtClean="0">
-                <a:latin typeface="Arial" panose="020B0604020202020204" pitchFamily="34" charset="0"/>
-                <a:cs typeface="Arial" panose="020B0604020202020204" pitchFamily="34" charset="0"/>
-              </a:rPr>
-              <a:t> ISIS </a:t>
-            </a:r>
-            <a:r>
-              <a:rPr lang="en-GB" dirty="0" smtClean="0">
-                <a:latin typeface="Arial" panose="020B0604020202020204" pitchFamily="34" charset="0"/>
-                <a:cs typeface="Arial" panose="020B0604020202020204" pitchFamily="34" charset="0"/>
-              </a:rPr>
-              <a:t>SANS consists of:</a:t>
+              <a:t> for  ISIS SANS consists of:</a:t>
             </a:r>
             <a:endParaRPr lang="en-GB" dirty="0">
               <a:latin typeface="Arial" panose="020B0604020202020204" pitchFamily="34" charset="0"/>
@@ -8150,7 +8058,7 @@
         <p:spPr>
           <a:xfrm>
             <a:off x="1142999" y="20537785"/>
-            <a:ext cx="13038102" cy="3785652"/>
+            <a:ext cx="13038102" cy="3416320"/>
           </a:xfrm>
           <a:prstGeom prst="rect">
             <a:avLst/>
@@ -8191,19 +8099,15 @@
                 <a:latin typeface="Arial" panose="020B0604020202020204" pitchFamily="34" charset="0"/>
                 <a:cs typeface="Arial" panose="020B0604020202020204" pitchFamily="34" charset="0"/>
               </a:rPr>
-              <a:t>limitations are:</a:t>
-            </a:r>
-          </a:p>
-          <a:p>
-            <a:pPr eaLnBrk="1" fontAlgn="auto" hangingPunct="1">
-              <a:spcBef>
-                <a:spcPts val="0"/>
-              </a:spcBef>
-              <a:spcAft>
-                <a:spcPts val="0"/>
-              </a:spcAft>
-              <a:defRPr/>
-            </a:pPr>
+              <a:t>limitations are</a:t>
+            </a:r>
+            <a:r>
+              <a:rPr lang="en-GB" dirty="0" smtClean="0">
+                <a:latin typeface="Arial" panose="020B0604020202020204" pitchFamily="34" charset="0"/>
+                <a:cs typeface="Arial" panose="020B0604020202020204" pitchFamily="34" charset="0"/>
+              </a:rPr>
+              <a:t>:</a:t>
+            </a:r>
             <a:endParaRPr lang="en-GB" dirty="0">
               <a:latin typeface="Arial" panose="020B0604020202020204" pitchFamily="34" charset="0"/>
               <a:cs typeface="Arial" panose="020B0604020202020204" pitchFamily="34" charset="0"/>
@@ -8292,14 +8196,7 @@
                 <a:latin typeface="Arial" panose="020B0604020202020204" pitchFamily="34" charset="0"/>
                 <a:cs typeface="Arial" panose="020B0604020202020204" pitchFamily="34" charset="0"/>
               </a:rPr>
-              <a:t>irtually </a:t>
-            </a:r>
-            <a:r>
-              <a:rPr lang="en-GB" dirty="0" smtClean="0">
-                <a:latin typeface="Arial" panose="020B0604020202020204" pitchFamily="34" charset="0"/>
-                <a:cs typeface="Arial" panose="020B0604020202020204" pitchFamily="34" charset="0"/>
-              </a:rPr>
-              <a:t>no </a:t>
+              <a:t>irtually no </a:t>
             </a:r>
             <a:r>
               <a:rPr lang="en-GB" dirty="0">
@@ -8379,14 +8276,7 @@
                 <a:latin typeface="Arial" panose="020B0604020202020204" pitchFamily="34" charset="0"/>
                 <a:cs typeface="Arial" panose="020B0604020202020204" pitchFamily="34" charset="0"/>
               </a:rPr>
-              <a:t>are mutable. Hard to know what the current </a:t>
-            </a:r>
-            <a:r>
-              <a:rPr lang="en-GB" dirty="0">
-                <a:latin typeface="Arial" panose="020B0604020202020204" pitchFamily="34" charset="0"/>
-                <a:cs typeface="Arial" panose="020B0604020202020204" pitchFamily="34" charset="0"/>
-              </a:rPr>
-              <a:t>state is (&gt;100 settings</a:t>
+              <a:t>are mutable. Hard to know what the current state is (&gt;100 settings</a:t>
             </a:r>
             <a:r>
               <a:rPr lang="en-GB" dirty="0" smtClean="0">
@@ -8445,7 +8335,14 @@
                 <a:latin typeface="Arial" panose="020B0604020202020204" pitchFamily="34" charset="0"/>
                 <a:cs typeface="Arial" panose="020B0604020202020204" pitchFamily="34" charset="0"/>
               </a:rPr>
-              <a:t>new facilities is hard due to the high coupling to facility-specific </a:t>
+              <a:t>new facilities is hard due to the high coupling to </a:t>
+            </a:r>
+            <a:r>
+              <a:rPr lang="en-GB" dirty="0" smtClean="0">
+                <a:latin typeface="Arial" panose="020B0604020202020204" pitchFamily="34" charset="0"/>
+                <a:cs typeface="Arial" panose="020B0604020202020204" pitchFamily="34" charset="0"/>
+              </a:rPr>
+              <a:t>facility-specific  </a:t>
             </a:r>
             <a:r>
               <a:rPr lang="en-GB" dirty="0" smtClean="0">
@@ -8517,7 +8414,7 @@
         </p:nvSpPr>
         <p:spPr>
           <a:xfrm>
-            <a:off x="1016829" y="28967945"/>
+            <a:off x="1016829" y="28386657"/>
             <a:ext cx="13164272" cy="1938992"/>
           </a:xfrm>
           <a:prstGeom prst="rect">
@@ -8574,7 +8471,7 @@
         </p:nvGrpSpPr>
         <p:grpSpPr>
           <a:xfrm>
-            <a:off x="1510117" y="33067177"/>
+            <a:off x="1510117" y="33571233"/>
             <a:ext cx="12241081" cy="4680520"/>
             <a:chOff x="1495083" y="33067177"/>
             <a:chExt cx="12241081" cy="4680520"/>
@@ -9438,7 +9335,21 @@
                   <a:latin typeface="Arial" panose="020B0604020202020204" pitchFamily="34" charset="0"/>
                   <a:cs typeface="Arial" panose="020B0604020202020204" pitchFamily="34" charset="0"/>
                 </a:rPr>
-                <a:t>The SANS State is made up of sub states which contain information that can be easily converted into passive data structures.</a:t>
+                <a:t>The SANS State is made up of </a:t>
+              </a:r>
+              <a:r>
+                <a:rPr lang="en-US" sz="2000" i="1" kern="0" dirty="0" smtClean="0">
+                  <a:latin typeface="Arial" panose="020B0604020202020204" pitchFamily="34" charset="0"/>
+                  <a:cs typeface="Arial" panose="020B0604020202020204" pitchFamily="34" charset="0"/>
+                </a:rPr>
+                <a:t>sub-states </a:t>
+              </a:r>
+              <a:r>
+                <a:rPr lang="en-US" sz="2000" i="1" kern="0" dirty="0" smtClean="0">
+                  <a:latin typeface="Arial" panose="020B0604020202020204" pitchFamily="34" charset="0"/>
+                  <a:cs typeface="Arial" panose="020B0604020202020204" pitchFamily="34" charset="0"/>
+                </a:rPr>
+                <a:t>which contain information that can be easily converted into passive data structures.</a:t>
               </a:r>
               <a:endParaRPr lang="en-US" sz="2000" i="1" kern="0" dirty="0">
                 <a:latin typeface="Arial" panose="020B0604020202020204" pitchFamily="34" charset="0"/>
@@ -9456,7 +9367,7 @@
         </p:nvSpPr>
         <p:spPr>
           <a:xfrm>
-            <a:off x="15704269" y="18589871"/>
+            <a:off x="15704269" y="18089513"/>
             <a:ext cx="13717786" cy="2308324"/>
           </a:xfrm>
           <a:prstGeom prst="rect">
@@ -10250,7 +10161,7 @@
         <p:spPr>
           <a:xfrm>
             <a:off x="23544286" y="13408993"/>
-            <a:ext cx="5104730" cy="2862322"/>
+            <a:ext cx="5104730" cy="2554545"/>
           </a:xfrm>
           <a:prstGeom prst="rect">
             <a:avLst/>
@@ -10274,57 +10185,54 @@
                 <a:latin typeface="Arial" panose="020B0604020202020204" pitchFamily="34" charset="0"/>
                 <a:cs typeface="Arial" panose="020B0604020202020204" pitchFamily="34" charset="0"/>
               </a:rPr>
-              <a:t>Each sub-state  maps to exactly one workflow algorithm. This means that swapping the </a:t>
+              <a:t>Each sub-state  maps to exactly one workflow algorithm. This means that swapping the implementation </a:t>
             </a:r>
             <a:r>
               <a:rPr lang="en-US" sz="2000" i="1" kern="0" dirty="0" smtClean="0">
                 <a:latin typeface="Arial" panose="020B0604020202020204" pitchFamily="34" charset="0"/>
                 <a:cs typeface="Arial" panose="020B0604020202020204" pitchFamily="34" charset="0"/>
               </a:rPr>
-              <a:t>implementation for </a:t>
+              <a:t>of</a:t>
             </a:r>
             <a:r>
               <a:rPr lang="en-US" sz="2000" i="1" kern="0" dirty="0" smtClean="0">
                 <a:latin typeface="Arial" panose="020B0604020202020204" pitchFamily="34" charset="0"/>
                 <a:cs typeface="Arial" panose="020B0604020202020204" pitchFamily="34" charset="0"/>
               </a:rPr>
-              <a:t>a workflow algorithm is a </a:t>
+              <a:t> </a:t>
             </a:r>
             <a:r>
               <a:rPr lang="en-US" sz="2000" i="1" kern="0" dirty="0" smtClean="0">
                 <a:latin typeface="Arial" panose="020B0604020202020204" pitchFamily="34" charset="0"/>
                 <a:cs typeface="Arial" panose="020B0604020202020204" pitchFamily="34" charset="0"/>
               </a:rPr>
-              <a:t>low-risk </a:t>
+              <a:t>a workflow algorithm is a low-risk procedure. This approach also avoids the legacy code’s issue </a:t>
             </a:r>
             <a:r>
               <a:rPr lang="en-US" sz="2000" i="1" kern="0" dirty="0" smtClean="0">
                 <a:latin typeface="Arial" panose="020B0604020202020204" pitchFamily="34" charset="0"/>
                 <a:cs typeface="Arial" panose="020B0604020202020204" pitchFamily="34" charset="0"/>
               </a:rPr>
-              <a:t>procedure. This approach also avoids the legacy code’s issue where settings are configured and consumed by  </a:t>
+              <a:t>of  </a:t>
+            </a:r>
+            <a:r>
+              <a:rPr lang="en-US" sz="2000" i="1" kern="0" dirty="0">
+                <a:latin typeface="Arial" panose="020B0604020202020204" pitchFamily="34" charset="0"/>
+                <a:cs typeface="Arial" panose="020B0604020202020204" pitchFamily="34" charset="0"/>
+              </a:rPr>
+              <a:t>having multiple, entirely unrelated entities of the reduction </a:t>
             </a:r>
             <a:r>
               <a:rPr lang="en-US" sz="2000" i="1" kern="0" dirty="0" smtClean="0">
                 <a:latin typeface="Arial" panose="020B0604020202020204" pitchFamily="34" charset="0"/>
                 <a:cs typeface="Arial" panose="020B0604020202020204" pitchFamily="34" charset="0"/>
               </a:rPr>
-              <a:t>multiple</a:t>
-            </a:r>
-            <a:r>
-              <a:rPr lang="en-US" sz="2000" i="1" kern="0" dirty="0" smtClean="0">
-                <a:latin typeface="Arial" panose="020B0604020202020204" pitchFamily="34" charset="0"/>
-                <a:cs typeface="Arial" panose="020B0604020202020204" pitchFamily="34" charset="0"/>
-              </a:rPr>
-              <a:t>, entirely unrelated </a:t>
-            </a:r>
-            <a:r>
-              <a:rPr lang="en-US" sz="2000" i="1" kern="0" dirty="0" smtClean="0">
-                <a:latin typeface="Arial" panose="020B0604020202020204" pitchFamily="34" charset="0"/>
-                <a:cs typeface="Arial" panose="020B0604020202020204" pitchFamily="34" charset="0"/>
-              </a:rPr>
-              <a:t>entities of the reduction framework.</a:t>
-            </a:r>
+              <a:t>framework which configure and consume the same setting.</a:t>
+            </a:r>
+            <a:endParaRPr lang="en-US" sz="2000" i="1" kern="0" dirty="0" smtClean="0">
+              <a:latin typeface="Arial" panose="020B0604020202020204" pitchFamily="34" charset="0"/>
+              <a:cs typeface="Arial" panose="020B0604020202020204" pitchFamily="34" charset="0"/>
+            </a:endParaRPr>
           </a:p>
         </p:txBody>
       </p:sp>
@@ -10690,6 +10598,16 @@
               <a:t>2 </a:t>
             </a:r>
             <a:r>
+              <a:rPr lang="en-GB" dirty="0" err="1" smtClean="0">
+                <a:solidFill>
+                  <a:srgbClr val="002D55"/>
+                </a:solidFill>
+                <a:latin typeface="HElvetica" panose="020B0604020202020204" pitchFamily="34" charset="0"/>
+                <a:cs typeface="HElvetica" panose="020B0604020202020204" pitchFamily="34" charset="0"/>
+              </a:rPr>
+              <a:t>Tessella</a:t>
+            </a:r>
+            <a:r>
               <a:rPr lang="en-GB" dirty="0" smtClean="0">
                 <a:solidFill>
                   <a:srgbClr val="002D55"/>
@@ -10697,7 +10615,7 @@
                 <a:latin typeface="HElvetica" panose="020B0604020202020204" pitchFamily="34" charset="0"/>
                 <a:cs typeface="HElvetica" panose="020B0604020202020204" pitchFamily="34" charset="0"/>
               </a:rPr>
-              <a:t>Tessella Ltd, </a:t>
+              <a:t>, </a:t>
             </a:r>
             <a:r>
               <a:rPr lang="en-GB" dirty="0">
@@ -10725,6 +10643,206 @@
               </a:solidFill>
               <a:latin typeface="HElvetica" panose="020B0604020202020204" pitchFamily="34" charset="0"/>
               <a:cs typeface="HElvetica" panose="020B0604020202020204" pitchFamily="34" charset="0"/>
+            </a:endParaRPr>
+          </a:p>
+        </p:txBody>
+      </p:sp>
+      <p:sp>
+        <p:nvSpPr>
+          <p:cNvPr id="4" name="TextBox 3"/>
+          <p:cNvSpPr txBox="1"/>
+          <p:nvPr/>
+        </p:nvSpPr>
+        <p:spPr>
+          <a:xfrm>
+            <a:off x="15704267" y="31627017"/>
+            <a:ext cx="13528649" cy="1569660"/>
+          </a:xfrm>
+          <a:prstGeom prst="rect">
+            <a:avLst/>
+          </a:prstGeom>
+          <a:noFill/>
+        </p:spPr>
+        <p:txBody>
+          <a:bodyPr wrap="square" rtlCol="0">
+            <a:spAutoFit/>
+          </a:bodyPr>
+          <a:lstStyle/>
+          <a:p>
+            <a:pPr algn="just"/>
+            <a:r>
+              <a:rPr lang="en-GB" dirty="0" smtClean="0">
+                <a:latin typeface="Arial" panose="020B0604020202020204" pitchFamily="34" charset="0"/>
+                <a:cs typeface="Arial" panose="020B0604020202020204" pitchFamily="34" charset="0"/>
+              </a:rPr>
+              <a:t>The main performance gains are to be expected from caching already existing results and data. The lack of such caching is </a:t>
+            </a:r>
+            <a:r>
+              <a:rPr lang="en-GB" dirty="0" smtClean="0">
+                <a:latin typeface="Arial" panose="020B0604020202020204" pitchFamily="34" charset="0"/>
+                <a:cs typeface="Arial" panose="020B0604020202020204" pitchFamily="34" charset="0"/>
+              </a:rPr>
+              <a:t>causing </a:t>
+            </a:r>
+            <a:r>
+              <a:rPr lang="en-GB" dirty="0" smtClean="0">
+                <a:latin typeface="Arial" panose="020B0604020202020204" pitchFamily="34" charset="0"/>
+                <a:cs typeface="Arial" panose="020B0604020202020204" pitchFamily="34" charset="0"/>
+              </a:rPr>
+              <a:t>large </a:t>
+            </a:r>
+            <a:r>
+              <a:rPr lang="en-GB" dirty="0" smtClean="0">
+                <a:latin typeface="Arial" panose="020B0604020202020204" pitchFamily="34" charset="0"/>
+                <a:cs typeface="Arial" panose="020B0604020202020204" pitchFamily="34" charset="0"/>
+              </a:rPr>
+              <a:t>performance overheads in the old reduction framework. </a:t>
+            </a:r>
+            <a:r>
+              <a:rPr lang="en-GB" dirty="0" smtClean="0">
+                <a:latin typeface="Arial" panose="020B0604020202020204" pitchFamily="34" charset="0"/>
+                <a:cs typeface="Arial" panose="020B0604020202020204" pitchFamily="34" charset="0"/>
+              </a:rPr>
+              <a:t>So far, data reload has been cached. A further improvement is expected from caching reductions of background measurements.</a:t>
+            </a:r>
+            <a:endParaRPr lang="en-GB" dirty="0">
+              <a:latin typeface="Arial" panose="020B0604020202020204" pitchFamily="34" charset="0"/>
+              <a:cs typeface="Arial" panose="020B0604020202020204" pitchFamily="34" charset="0"/>
+            </a:endParaRPr>
+          </a:p>
+        </p:txBody>
+      </p:sp>
+      <p:sp>
+        <p:nvSpPr>
+          <p:cNvPr id="23" name="TextBox 22"/>
+          <p:cNvSpPr txBox="1"/>
+          <p:nvPr/>
+        </p:nvSpPr>
+        <p:spPr>
+          <a:xfrm>
+            <a:off x="1142999" y="30705429"/>
+            <a:ext cx="13038101" cy="1938992"/>
+          </a:xfrm>
+          <a:prstGeom prst="rect">
+            <a:avLst/>
+          </a:prstGeom>
+          <a:noFill/>
+        </p:spPr>
+        <p:txBody>
+          <a:bodyPr wrap="square" rtlCol="0">
+            <a:spAutoFit/>
+          </a:bodyPr>
+          <a:lstStyle/>
+          <a:p>
+            <a:pPr algn="just"/>
+            <a:r>
+              <a:rPr lang="en-GB" dirty="0" smtClean="0">
+                <a:latin typeface="Arial" panose="020B0604020202020204" pitchFamily="34" charset="0"/>
+                <a:cs typeface="Arial" panose="020B0604020202020204" pitchFamily="34" charset="0"/>
+              </a:rPr>
+              <a:t>The framework’s  biggest  bottleneck in terms of robustness and maintainability is the way it treats the reduction </a:t>
+            </a:r>
+            <a:r>
+              <a:rPr lang="en-GB" dirty="0" smtClean="0">
+                <a:latin typeface="Arial" panose="020B0604020202020204" pitchFamily="34" charset="0"/>
+                <a:cs typeface="Arial" panose="020B0604020202020204" pitchFamily="34" charset="0"/>
+              </a:rPr>
+              <a:t>configuration. This </a:t>
+            </a:r>
+            <a:r>
+              <a:rPr lang="en-GB" dirty="0" smtClean="0">
+                <a:latin typeface="Arial" panose="020B0604020202020204" pitchFamily="34" charset="0"/>
+                <a:cs typeface="Arial" panose="020B0604020202020204" pitchFamily="34" charset="0"/>
+              </a:rPr>
+              <a:t>can be solved by </a:t>
+            </a:r>
+            <a:r>
+              <a:rPr lang="en-GB" dirty="0" smtClean="0">
+                <a:latin typeface="Arial" panose="020B0604020202020204" pitchFamily="34" charset="0"/>
+                <a:cs typeface="Arial" panose="020B0604020202020204" pitchFamily="34" charset="0"/>
+              </a:rPr>
+              <a:t>using a </a:t>
+            </a:r>
+            <a:r>
+              <a:rPr lang="en-GB" dirty="0" smtClean="0">
+                <a:latin typeface="Arial" panose="020B0604020202020204" pitchFamily="34" charset="0"/>
+                <a:cs typeface="Arial" panose="020B0604020202020204" pitchFamily="34" charset="0"/>
+              </a:rPr>
+              <a:t>simple state object (</a:t>
+            </a:r>
+            <a:r>
+              <a:rPr lang="en-GB" dirty="0" err="1" smtClean="0">
+                <a:latin typeface="Arial" panose="020B0604020202020204" pitchFamily="34" charset="0"/>
+                <a:cs typeface="Arial" panose="020B0604020202020204" pitchFamily="34" charset="0"/>
+              </a:rPr>
+              <a:t>SANSState</a:t>
+            </a:r>
+            <a:r>
+              <a:rPr lang="en-GB" dirty="0" smtClean="0">
+                <a:latin typeface="Arial" panose="020B0604020202020204" pitchFamily="34" charset="0"/>
+                <a:cs typeface="Arial" panose="020B0604020202020204" pitchFamily="34" charset="0"/>
+              </a:rPr>
+              <a:t>) which stores the reduction-relevant information centrally and </a:t>
+            </a:r>
+            <a:r>
+              <a:rPr lang="en-GB" dirty="0" smtClean="0">
+                <a:latin typeface="Arial" panose="020B0604020202020204" pitchFamily="34" charset="0"/>
+                <a:cs typeface="Arial" panose="020B0604020202020204" pitchFamily="34" charset="0"/>
+              </a:rPr>
+              <a:t>is </a:t>
+            </a:r>
+            <a:r>
+              <a:rPr lang="en-GB" dirty="0" smtClean="0">
+                <a:latin typeface="Arial" panose="020B0604020202020204" pitchFamily="34" charset="0"/>
+                <a:cs typeface="Arial" panose="020B0604020202020204" pitchFamily="34" charset="0"/>
+              </a:rPr>
+              <a:t>immutable. The </a:t>
+            </a:r>
+            <a:r>
+              <a:rPr lang="en-GB" dirty="0" err="1" smtClean="0">
+                <a:latin typeface="Arial" panose="020B0604020202020204" pitchFamily="34" charset="0"/>
+                <a:cs typeface="Arial" panose="020B0604020202020204" pitchFamily="34" charset="0"/>
+              </a:rPr>
+              <a:t>SANState</a:t>
+            </a:r>
+            <a:r>
+              <a:rPr lang="en-GB" dirty="0" smtClean="0">
+                <a:latin typeface="Arial" panose="020B0604020202020204" pitchFamily="34" charset="0"/>
+                <a:cs typeface="Arial" panose="020B0604020202020204" pitchFamily="34" charset="0"/>
+              </a:rPr>
+              <a:t> approach is the corner stone of </a:t>
+            </a:r>
+            <a:r>
+              <a:rPr lang="en-GB" dirty="0" smtClean="0">
+                <a:latin typeface="Arial" panose="020B0604020202020204" pitchFamily="34" charset="0"/>
+                <a:cs typeface="Arial" panose="020B0604020202020204" pitchFamily="34" charset="0"/>
+              </a:rPr>
+              <a:t>new </a:t>
+            </a:r>
+            <a:r>
+              <a:rPr lang="en-GB" dirty="0" smtClean="0">
+                <a:latin typeface="Arial" panose="020B0604020202020204" pitchFamily="34" charset="0"/>
+                <a:cs typeface="Arial" panose="020B0604020202020204" pitchFamily="34" charset="0"/>
+              </a:rPr>
+              <a:t>design and has allowed us </a:t>
+            </a:r>
+            <a:r>
+              <a:rPr lang="en-GB" dirty="0" smtClean="0">
+                <a:latin typeface="Arial" panose="020B0604020202020204" pitchFamily="34" charset="0"/>
+                <a:cs typeface="Arial" panose="020B0604020202020204" pitchFamily="34" charset="0"/>
+              </a:rPr>
+              <a:t>to </a:t>
+            </a:r>
+            <a:r>
+              <a:rPr lang="en-GB" dirty="0" smtClean="0">
+                <a:latin typeface="Arial" panose="020B0604020202020204" pitchFamily="34" charset="0"/>
+                <a:cs typeface="Arial" panose="020B0604020202020204" pitchFamily="34" charset="0"/>
+              </a:rPr>
+              <a:t>significantly improve flexibility, robustness and performance.</a:t>
+            </a:r>
+            <a:endParaRPr lang="en-GB" dirty="0">
+              <a:latin typeface="Arial" panose="020B0604020202020204" pitchFamily="34" charset="0"/>
+              <a:cs typeface="Arial" panose="020B0604020202020204" pitchFamily="34" charset="0"/>
             </a:endParaRPr>
           </a:p>
         </p:txBody>
@@ -12061,14 +12179,14 @@
 <file path=customXml/itemProps4.xml><?xml version="1.0" encoding="utf-8"?>
 <ds:datastoreItem xmlns:ds="http://schemas.openxmlformats.org/officeDocument/2006/customXml" ds:itemID="{BBE466B2-E11B-4338-AFEC-553026806900}">
   <ds:schemaRefs>
-    <ds:schemaRef ds:uri="http://schemas.microsoft.com/office/2006/documentManagement/types"/>
-    <ds:schemaRef ds:uri="http://purl.org/dc/terms/"/>
     <ds:schemaRef ds:uri="http://schemas.microsoft.com/office/2006/metadata/properties"/>
-    <ds:schemaRef ds:uri="http://schemas.microsoft.com/office/infopath/2007/PartnerControls"/>
     <ds:schemaRef ds:uri="http://purl.org/dc/dcmitype/"/>
     <ds:schemaRef ds:uri="http://purl.org/dc/elements/1.1/"/>
+    <ds:schemaRef ds:uri="http://purl.org/dc/terms/"/>
     <ds:schemaRef ds:uri="http://schemas.openxmlformats.org/package/2006/metadata/core-properties"/>
+    <ds:schemaRef ds:uri="http://schemas.microsoft.com/office/2006/documentManagement/types"/>
     <ds:schemaRef ds:uri="http://schemas.microsoft.com/sharepoint/v3"/>
+    <ds:schemaRef ds:uri="http://schemas.microsoft.com/office/infopath/2007/PartnerControls"/>
     <ds:schemaRef ds:uri="http://www.w3.org/XML/1998/namespace"/>
   </ds:schemaRefs>
 </ds:datastoreItem>
